--- a/common/slides/MqttnCoAP.pptx
+++ b/common/slides/MqttnCoAP.pptx
@@ -132,7 +132,7 @@
   </p:defaultTextStyle>
   <p:extLst>
     <p:ext uri="{EFAFB233-063F-42B5-8137-9DF3F51BA10A}">
-      <p15:sldGuideLst xmlns:p15="http://schemas.microsoft.com/office/powerpoint/2012/main" xmlns=""/>
+      <p15:sldGuideLst xmlns="" xmlns:p15="http://schemas.microsoft.com/office/powerpoint/2012/main"/>
     </p:ext>
   </p:extLst>
 </p:presentation>
@@ -6730,8 +6730,8 @@
             <a:solidFill>
               <a:schemeClr val="accent1"/>
             </a:solidFill>
-            <a:headEnd type="triangle"/>
-            <a:tailEnd type="none"/>
+            <a:headEnd type="none"/>
+            <a:tailEnd type="triangle"/>
           </a:ln>
         </p:spPr>
         <p:style>
@@ -6767,8 +6767,8 @@
             <a:solidFill>
               <a:schemeClr val="accent1"/>
             </a:solidFill>
-            <a:headEnd type="triangle"/>
-            <a:tailEnd type="none"/>
+            <a:headEnd type="none"/>
+            <a:tailEnd type="triangle"/>
           </a:ln>
         </p:spPr>
         <p:style>
@@ -6806,8 +6806,8 @@
             <a:solidFill>
               <a:schemeClr val="accent1"/>
             </a:solidFill>
-            <a:headEnd type="triangle"/>
-            <a:tailEnd type="none"/>
+            <a:headEnd type="none"/>
+            <a:tailEnd type="triangle"/>
           </a:ln>
         </p:spPr>
         <p:style>
@@ -10069,11 +10069,7 @@
           <a:p>
             <a:r>
               <a:rPr lang="en-US" u="sng" dirty="0" smtClean="0"/>
-              <a:t>Example </a:t>
-            </a:r>
-            <a:r>
-              <a:rPr lang="en-US" u="sng" dirty="0" smtClean="0"/>
-              <a:t>3</a:t>
+              <a:t>Example 3</a:t>
             </a:r>
             <a:endParaRPr lang="en-US" u="sng" dirty="0"/>
           </a:p>

--- a/common/slides/MqttnCoAP.pptx
+++ b/common/slides/MqttnCoAP.pptx
@@ -132,7 +132,18 @@
   </p:defaultTextStyle>
   <p:extLst>
     <p:ext uri="{EFAFB233-063F-42B5-8137-9DF3F51BA10A}">
-      <p15:sldGuideLst xmlns="" xmlns:p15="http://schemas.microsoft.com/office/powerpoint/2012/main"/>
+      <p15:sldGuideLst xmlns:p15="http://schemas.microsoft.com/office/powerpoint/2012/main">
+        <p15:guide id="1" orient="horz" pos="2160">
+          <p15:clr>
+            <a:srgbClr val="A4A3A4"/>
+          </p15:clr>
+        </p15:guide>
+        <p15:guide id="2" pos="3840">
+          <p15:clr>
+            <a:srgbClr val="A4A3A4"/>
+          </p15:clr>
+        </p15:guide>
+      </p15:sldGuideLst>
     </p:ext>
   </p:extLst>
 </p:presentation>
@@ -284,35 +295,35 @@
           <a:p>
             <a:pPr lvl="0"/>
             <a:r>
-              <a:rPr lang="en-US" smtClean="0"/>
+              <a:rPr lang="en-US"/>
               <a:t>Click to edit Master text styles</a:t>
             </a:r>
           </a:p>
           <a:p>
             <a:pPr lvl="1"/>
             <a:r>
-              <a:rPr lang="en-US" smtClean="0"/>
+              <a:rPr lang="en-US"/>
               <a:t>Second level</a:t>
             </a:r>
           </a:p>
           <a:p>
             <a:pPr lvl="2"/>
             <a:r>
-              <a:rPr lang="en-US" smtClean="0"/>
+              <a:rPr lang="en-US"/>
               <a:t>Third level</a:t>
             </a:r>
           </a:p>
           <a:p>
             <a:pPr lvl="3"/>
             <a:r>
-              <a:rPr lang="en-US" smtClean="0"/>
+              <a:rPr lang="en-US"/>
               <a:t>Fourth level</a:t>
             </a:r>
           </a:p>
           <a:p>
             <a:pPr lvl="4"/>
             <a:r>
-              <a:rPr lang="en-US" smtClean="0"/>
+              <a:rPr lang="en-US"/>
               <a:t>Fifth level</a:t>
             </a:r>
             <a:endParaRPr lang="en-IN"/>
@@ -770,9 +781,7 @@
         </p:style>
         <p:txBody>
           <a:bodyPr anchor="ctr"/>
-          <a:lstStyle>
-            <a:extLst/>
-          </a:lstStyle>
+          <a:lstStyle/>
           <a:p>
             <a:pPr algn="ctr" eaLnBrk="1" latinLnBrk="0" hangingPunct="1"/>
             <a:endParaRPr kumimoji="0" lang="en-US"/>
@@ -825,10 +834,9 @@
           </a:lstStyle>
           <a:p>
             <a:r>
-              <a:rPr kumimoji="0" lang="en-US" smtClean="0"/>
+              <a:rPr kumimoji="0" lang="en-US"/>
               <a:t>Click to edit Master title style</a:t>
             </a:r>
-            <a:endParaRPr kumimoji="0" lang="en-US"/>
           </a:p>
         </p:txBody>
       </p:sp>
@@ -887,10 +895,9 @@
           </a:lstStyle>
           <a:p>
             <a:r>
-              <a:rPr kumimoji="0" lang="en-US" smtClean="0"/>
+              <a:rPr kumimoji="0" lang="en-US"/>
               <a:t>Click to edit Master subtitle style</a:t>
             </a:r>
-            <a:endParaRPr kumimoji="0" lang="en-US"/>
           </a:p>
         </p:txBody>
       </p:sp>
@@ -985,9 +992,7 @@
           </p:spPr>
           <p:txBody>
             <a:bodyPr vert="horz" wrap="square" lIns="91440" tIns="45720" rIns="91440" bIns="45720" anchor="t" compatLnSpc="1"/>
-            <a:lstStyle>
-              <a:extLst/>
-            </a:lstStyle>
+            <a:lstStyle/>
             <a:p>
               <a:endParaRPr kumimoji="0" lang="en-US"/>
             </a:p>
@@ -1067,9 +1072,7 @@
           </p:spPr>
           <p:txBody>
             <a:bodyPr vert="horz" wrap="square" lIns="91440" tIns="45720" rIns="91440" bIns="45720" anchor="t" compatLnSpc="1"/>
-            <a:lstStyle>
-              <a:extLst/>
-            </a:lstStyle>
+            <a:lstStyle/>
             <a:p>
               <a:endParaRPr kumimoji="0" lang="en-US"/>
             </a:p>
@@ -1226,9 +1229,7 @@
           </p:style>
           <p:txBody>
             <a:bodyPr vert="horz" wrap="square" lIns="91440" tIns="45720" rIns="91440" bIns="45720" anchor="ctr" compatLnSpc="1"/>
-            <a:lstStyle>
-              <a:extLst/>
-            </a:lstStyle>
+            <a:lstStyle/>
             <a:p>
               <a:pPr algn="ctr" eaLnBrk="1" latinLnBrk="0" hangingPunct="1"/>
               <a:endParaRPr kumimoji="0" lang="en-US"/>
@@ -1421,15 +1422,12 @@
         <p:spPr/>
         <p:txBody>
           <a:bodyPr/>
-          <a:lstStyle>
-            <a:extLst/>
-          </a:lstStyle>
-          <a:p>
-            <a:r>
-              <a:rPr kumimoji="0" lang="en-US" smtClean="0"/>
+          <a:lstStyle/>
+          <a:p>
+            <a:r>
+              <a:rPr kumimoji="0" lang="en-US"/>
               <a:t>Click to edit Master title style</a:t>
             </a:r>
-            <a:endParaRPr kumimoji="0" lang="en-US"/>
           </a:p>
         </p:txBody>
       </p:sp>
@@ -1451,41 +1449,39 @@
         </p:spPr>
         <p:txBody>
           <a:bodyPr vert="eaVert"/>
-          <a:lstStyle>
-            <a:extLst/>
-          </a:lstStyle>
+          <a:lstStyle/>
           <a:p>
             <a:pPr lvl="0" eaLnBrk="1" latinLnBrk="0" hangingPunct="1"/>
             <a:r>
-              <a:rPr lang="en-US" smtClean="0"/>
+              <a:rPr lang="en-US"/>
               <a:t>Click to edit Master text styles</a:t>
             </a:r>
           </a:p>
           <a:p>
             <a:pPr lvl="1" eaLnBrk="1" latinLnBrk="0" hangingPunct="1"/>
             <a:r>
-              <a:rPr lang="en-US" smtClean="0"/>
+              <a:rPr lang="en-US"/>
               <a:t>Second level</a:t>
             </a:r>
           </a:p>
           <a:p>
             <a:pPr lvl="2" eaLnBrk="1" latinLnBrk="0" hangingPunct="1"/>
             <a:r>
-              <a:rPr lang="en-US" smtClean="0"/>
+              <a:rPr lang="en-US"/>
               <a:t>Third level</a:t>
             </a:r>
           </a:p>
           <a:p>
             <a:pPr lvl="3" eaLnBrk="1" latinLnBrk="0" hangingPunct="1"/>
             <a:r>
-              <a:rPr lang="en-US" smtClean="0"/>
+              <a:rPr lang="en-US"/>
               <a:t>Fourth level</a:t>
             </a:r>
           </a:p>
           <a:p>
             <a:pPr lvl="4" eaLnBrk="1" latinLnBrk="0" hangingPunct="1"/>
             <a:r>
-              <a:rPr lang="en-US" smtClean="0"/>
+              <a:rPr lang="en-US"/>
               <a:t>Fifth level</a:t>
             </a:r>
             <a:endParaRPr kumimoji="0" lang="en-US"/>
@@ -1505,9 +1501,7 @@
         <p:spPr/>
         <p:txBody>
           <a:bodyPr/>
-          <a:lstStyle>
-            <a:extLst/>
-          </a:lstStyle>
+          <a:lstStyle/>
           <a:p>
             <a:fld id="{4509A250-FF31-4206-8172-F9D3106AACB1}" type="datetimeFigureOut">
               <a:rPr lang="en-US" smtClean="0"/>
@@ -1530,9 +1524,7 @@
         <p:spPr/>
         <p:txBody>
           <a:bodyPr/>
-          <a:lstStyle>
-            <a:extLst/>
-          </a:lstStyle>
+          <a:lstStyle/>
           <a:p>
             <a:endParaRPr lang="en-US" dirty="0"/>
           </a:p>
@@ -1551,9 +1543,7 @@
         <p:spPr/>
         <p:txBody>
           <a:bodyPr/>
-          <a:lstStyle>
-            <a:extLst/>
-          </a:lstStyle>
+          <a:lstStyle/>
           <a:p>
             <a:fld id="{D57F1E4F-1CFF-5643-939E-02111984F565}" type="slidenum">
               <a:rPr lang="en-US" smtClean="0"/>
@@ -1606,15 +1596,12 @@
         </p:spPr>
         <p:txBody>
           <a:bodyPr vert="eaVert"/>
-          <a:lstStyle>
-            <a:extLst/>
-          </a:lstStyle>
-          <a:p>
-            <a:r>
-              <a:rPr kumimoji="0" lang="en-US" smtClean="0"/>
+          <a:lstStyle/>
+          <a:p>
+            <a:r>
+              <a:rPr kumimoji="0" lang="en-US"/>
               <a:t>Click to edit Master title style</a:t>
             </a:r>
-            <a:endParaRPr kumimoji="0" lang="en-US"/>
           </a:p>
         </p:txBody>
       </p:sp>
@@ -1636,41 +1623,39 @@
         </p:spPr>
         <p:txBody>
           <a:bodyPr vert="eaVert"/>
-          <a:lstStyle>
-            <a:extLst/>
-          </a:lstStyle>
+          <a:lstStyle/>
           <a:p>
             <a:pPr lvl="0" eaLnBrk="1" latinLnBrk="0" hangingPunct="1"/>
             <a:r>
-              <a:rPr lang="en-US" smtClean="0"/>
+              <a:rPr lang="en-US"/>
               <a:t>Click to edit Master text styles</a:t>
             </a:r>
           </a:p>
           <a:p>
             <a:pPr lvl="1" eaLnBrk="1" latinLnBrk="0" hangingPunct="1"/>
             <a:r>
-              <a:rPr lang="en-US" smtClean="0"/>
+              <a:rPr lang="en-US"/>
               <a:t>Second level</a:t>
             </a:r>
           </a:p>
           <a:p>
             <a:pPr lvl="2" eaLnBrk="1" latinLnBrk="0" hangingPunct="1"/>
             <a:r>
-              <a:rPr lang="en-US" smtClean="0"/>
+              <a:rPr lang="en-US"/>
               <a:t>Third level</a:t>
             </a:r>
           </a:p>
           <a:p>
             <a:pPr lvl="3" eaLnBrk="1" latinLnBrk="0" hangingPunct="1"/>
             <a:r>
-              <a:rPr lang="en-US" smtClean="0"/>
+              <a:rPr lang="en-US"/>
               <a:t>Fourth level</a:t>
             </a:r>
           </a:p>
           <a:p>
             <a:pPr lvl="4" eaLnBrk="1" latinLnBrk="0" hangingPunct="1"/>
             <a:r>
-              <a:rPr lang="en-US" smtClean="0"/>
+              <a:rPr lang="en-US"/>
               <a:t>Fifth level</a:t>
             </a:r>
             <a:endParaRPr kumimoji="0" lang="en-US"/>
@@ -1690,9 +1675,7 @@
         <p:spPr/>
         <p:txBody>
           <a:bodyPr/>
-          <a:lstStyle>
-            <a:extLst/>
-          </a:lstStyle>
+          <a:lstStyle/>
           <a:p>
             <a:fld id="{4509A250-FF31-4206-8172-F9D3106AACB1}" type="datetimeFigureOut">
               <a:rPr lang="en-US" smtClean="0"/>
@@ -1715,9 +1698,7 @@
         <p:spPr/>
         <p:txBody>
           <a:bodyPr/>
-          <a:lstStyle>
-            <a:extLst/>
-          </a:lstStyle>
+          <a:lstStyle/>
           <a:p>
             <a:endParaRPr lang="en-US" dirty="0"/>
           </a:p>
@@ -1736,9 +1717,7 @@
         <p:spPr/>
         <p:txBody>
           <a:bodyPr/>
-          <a:lstStyle>
-            <a:extLst/>
-          </a:lstStyle>
+          <a:lstStyle/>
           <a:p>
             <a:fld id="{D57F1E4F-1CFF-5643-939E-02111984F565}" type="slidenum">
               <a:rPr lang="en-US" smtClean="0"/>
@@ -1786,41 +1765,39 @@
         <p:spPr/>
         <p:txBody>
           <a:bodyPr/>
-          <a:lstStyle>
-            <a:extLst/>
-          </a:lstStyle>
+          <a:lstStyle/>
           <a:p>
             <a:pPr lvl="0" eaLnBrk="1" latinLnBrk="0" hangingPunct="1"/>
             <a:r>
-              <a:rPr lang="en-US" smtClean="0"/>
+              <a:rPr lang="en-US"/>
               <a:t>Click to edit Master text styles</a:t>
             </a:r>
           </a:p>
           <a:p>
             <a:pPr lvl="1" eaLnBrk="1" latinLnBrk="0" hangingPunct="1"/>
             <a:r>
-              <a:rPr lang="en-US" smtClean="0"/>
+              <a:rPr lang="en-US"/>
               <a:t>Second level</a:t>
             </a:r>
           </a:p>
           <a:p>
             <a:pPr lvl="2" eaLnBrk="1" latinLnBrk="0" hangingPunct="1"/>
             <a:r>
-              <a:rPr lang="en-US" smtClean="0"/>
+              <a:rPr lang="en-US"/>
               <a:t>Third level</a:t>
             </a:r>
           </a:p>
           <a:p>
             <a:pPr lvl="3" eaLnBrk="1" latinLnBrk="0" hangingPunct="1"/>
             <a:r>
-              <a:rPr lang="en-US" smtClean="0"/>
+              <a:rPr lang="en-US"/>
               <a:t>Fourth level</a:t>
             </a:r>
           </a:p>
           <a:p>
             <a:pPr lvl="4" eaLnBrk="1" latinLnBrk="0" hangingPunct="1"/>
             <a:r>
-              <a:rPr lang="en-US" smtClean="0"/>
+              <a:rPr lang="en-US"/>
               <a:t>Fifth level</a:t>
             </a:r>
             <a:endParaRPr kumimoji="0" lang="en-US"/>
@@ -1840,9 +1817,7 @@
         <p:spPr/>
         <p:txBody>
           <a:bodyPr/>
-          <a:lstStyle>
-            <a:extLst/>
-          </a:lstStyle>
+          <a:lstStyle/>
           <a:p>
             <a:fld id="{4509A250-FF31-4206-8172-F9D3106AACB1}" type="datetimeFigureOut">
               <a:rPr lang="en-US" smtClean="0"/>
@@ -1865,9 +1840,7 @@
         <p:spPr/>
         <p:txBody>
           <a:bodyPr/>
-          <a:lstStyle>
-            <a:extLst/>
-          </a:lstStyle>
+          <a:lstStyle/>
           <a:p>
             <a:endParaRPr lang="en-US" dirty="0"/>
           </a:p>
@@ -1886,9 +1859,7 @@
         <p:spPr/>
         <p:txBody>
           <a:bodyPr/>
-          <a:lstStyle>
-            <a:extLst/>
-          </a:lstStyle>
+          <a:lstStyle/>
           <a:p>
             <a:fld id="{D57F1E4F-1CFF-5643-939E-02111984F565}" type="slidenum">
               <a:rPr lang="en-US" smtClean="0"/>
@@ -1911,15 +1882,12 @@
         <p:spPr/>
         <p:txBody>
           <a:bodyPr rtlCol="0"/>
-          <a:lstStyle>
-            <a:extLst/>
-          </a:lstStyle>
-          <a:p>
-            <a:r>
-              <a:rPr kumimoji="0" lang="en-US" smtClean="0"/>
+          <a:lstStyle/>
+          <a:p>
+            <a:r>
+              <a:rPr kumimoji="0" lang="en-US"/>
               <a:t>Click to edit Master title style</a:t>
             </a:r>
-            <a:endParaRPr kumimoji="0" lang="en-US"/>
           </a:p>
         </p:txBody>
       </p:sp>
@@ -1997,10 +1965,9 @@
           </a:lstStyle>
           <a:p>
             <a:r>
-              <a:rPr kumimoji="0" lang="en-US" smtClean="0"/>
+              <a:rPr kumimoji="0" lang="en-US"/>
               <a:t>Click to edit Master title style</a:t>
             </a:r>
-            <a:endParaRPr kumimoji="0" lang="en-US"/>
           </a:p>
         </p:txBody>
       </p:sp>
@@ -2076,7 +2043,7 @@
           <a:p>
             <a:pPr lvl="0" eaLnBrk="1" latinLnBrk="0" hangingPunct="1"/>
             <a:r>
-              <a:rPr kumimoji="0" lang="en-US" smtClean="0"/>
+              <a:rPr kumimoji="0" lang="en-US"/>
               <a:t>Click to edit Master text styles</a:t>
             </a:r>
           </a:p>
@@ -2095,9 +2062,7 @@
         <p:spPr/>
         <p:txBody>
           <a:bodyPr/>
-          <a:lstStyle>
-            <a:extLst/>
-          </a:lstStyle>
+          <a:lstStyle/>
           <a:p>
             <a:fld id="{9796027F-7875-4030-9381-8BD8C4F21935}" type="datetimeFigureOut">
               <a:rPr lang="en-US" smtClean="0"/>
@@ -2120,9 +2085,7 @@
         <p:spPr/>
         <p:txBody>
           <a:bodyPr/>
-          <a:lstStyle>
-            <a:extLst/>
-          </a:lstStyle>
+          <a:lstStyle/>
           <a:p>
             <a:endParaRPr lang="en-US" dirty="0"/>
           </a:p>
@@ -2141,9 +2104,7 @@
         <p:spPr/>
         <p:txBody>
           <a:bodyPr/>
-          <a:lstStyle>
-            <a:extLst/>
-          </a:lstStyle>
+          <a:lstStyle/>
           <a:p>
             <a:fld id="{D57F1E4F-1CFF-5643-939E-02111984F565}" type="slidenum">
               <a:rPr lang="en-US" smtClean="0"/>
@@ -2224,9 +2185,7 @@
         </p:style>
         <p:txBody>
           <a:bodyPr anchor="ctr"/>
-          <a:lstStyle>
-            <a:extLst/>
-          </a:lstStyle>
+          <a:lstStyle/>
           <a:p>
             <a:pPr algn="l" eaLnBrk="1" latinLnBrk="0" hangingPunct="1"/>
             <a:endParaRPr kumimoji="0" lang="en-US"/>
@@ -2304,9 +2263,7 @@
         </p:style>
         <p:txBody>
           <a:bodyPr anchor="ctr"/>
-          <a:lstStyle>
-            <a:extLst/>
-          </a:lstStyle>
+          <a:lstStyle/>
           <a:p>
             <a:pPr algn="l" eaLnBrk="1" latinLnBrk="0" hangingPunct="1"/>
             <a:endParaRPr kumimoji="0" lang="en-US"/>
@@ -2382,35 +2339,35 @@
           <a:p>
             <a:pPr lvl="0" eaLnBrk="1" latinLnBrk="0" hangingPunct="1"/>
             <a:r>
-              <a:rPr lang="en-US" smtClean="0"/>
+              <a:rPr lang="en-US"/>
               <a:t>Click to edit Master text styles</a:t>
             </a:r>
           </a:p>
           <a:p>
             <a:pPr lvl="1" eaLnBrk="1" latinLnBrk="0" hangingPunct="1"/>
             <a:r>
-              <a:rPr lang="en-US" smtClean="0"/>
+              <a:rPr lang="en-US"/>
               <a:t>Second level</a:t>
             </a:r>
           </a:p>
           <a:p>
             <a:pPr lvl="2" eaLnBrk="1" latinLnBrk="0" hangingPunct="1"/>
             <a:r>
-              <a:rPr lang="en-US" smtClean="0"/>
+              <a:rPr lang="en-US"/>
               <a:t>Third level</a:t>
             </a:r>
           </a:p>
           <a:p>
             <a:pPr lvl="3" eaLnBrk="1" latinLnBrk="0" hangingPunct="1"/>
             <a:r>
-              <a:rPr lang="en-US" smtClean="0"/>
+              <a:rPr lang="en-US"/>
               <a:t>Fourth level</a:t>
             </a:r>
           </a:p>
           <a:p>
             <a:pPr lvl="4" eaLnBrk="1" latinLnBrk="0" hangingPunct="1"/>
             <a:r>
-              <a:rPr lang="en-US" smtClean="0"/>
+              <a:rPr lang="en-US"/>
               <a:t>Fifth level</a:t>
             </a:r>
             <a:endParaRPr kumimoji="0" lang="en-US"/>
@@ -2456,35 +2413,35 @@
           <a:p>
             <a:pPr lvl="0" eaLnBrk="1" latinLnBrk="0" hangingPunct="1"/>
             <a:r>
-              <a:rPr lang="en-US" smtClean="0"/>
+              <a:rPr lang="en-US"/>
               <a:t>Click to edit Master text styles</a:t>
             </a:r>
           </a:p>
           <a:p>
             <a:pPr lvl="1" eaLnBrk="1" latinLnBrk="0" hangingPunct="1"/>
             <a:r>
-              <a:rPr lang="en-US" smtClean="0"/>
+              <a:rPr lang="en-US"/>
               <a:t>Second level</a:t>
             </a:r>
           </a:p>
           <a:p>
             <a:pPr lvl="2" eaLnBrk="1" latinLnBrk="0" hangingPunct="1"/>
             <a:r>
-              <a:rPr lang="en-US" smtClean="0"/>
+              <a:rPr lang="en-US"/>
               <a:t>Third level</a:t>
             </a:r>
           </a:p>
           <a:p>
             <a:pPr lvl="3" eaLnBrk="1" latinLnBrk="0" hangingPunct="1"/>
             <a:r>
-              <a:rPr lang="en-US" smtClean="0"/>
+              <a:rPr lang="en-US"/>
               <a:t>Fourth level</a:t>
             </a:r>
           </a:p>
           <a:p>
             <a:pPr lvl="4" eaLnBrk="1" latinLnBrk="0" hangingPunct="1"/>
             <a:r>
-              <a:rPr lang="en-US" smtClean="0"/>
+              <a:rPr lang="en-US"/>
               <a:t>Fifth level</a:t>
             </a:r>
             <a:endParaRPr kumimoji="0" lang="en-US"/>
@@ -2504,9 +2461,7 @@
         <p:spPr/>
         <p:txBody>
           <a:bodyPr/>
-          <a:lstStyle>
-            <a:extLst/>
-          </a:lstStyle>
+          <a:lstStyle/>
           <a:p>
             <a:fld id="{9796027F-7875-4030-9381-8BD8C4F21935}" type="datetimeFigureOut">
               <a:rPr lang="en-US" smtClean="0"/>
@@ -2529,9 +2484,7 @@
         <p:spPr/>
         <p:txBody>
           <a:bodyPr/>
-          <a:lstStyle>
-            <a:extLst/>
-          </a:lstStyle>
+          <a:lstStyle/>
           <a:p>
             <a:endParaRPr lang="en-US" dirty="0"/>
           </a:p>
@@ -2550,9 +2503,7 @@
         <p:spPr/>
         <p:txBody>
           <a:bodyPr/>
-          <a:lstStyle>
-            <a:extLst/>
-          </a:lstStyle>
+          <a:lstStyle/>
           <a:p>
             <a:fld id="{D57F1E4F-1CFF-5643-939E-02111984F565}" type="slidenum">
               <a:rPr lang="en-US" smtClean="0"/>
@@ -2575,15 +2526,12 @@
         <p:spPr/>
         <p:txBody>
           <a:bodyPr rtlCol="0"/>
-          <a:lstStyle>
-            <a:extLst/>
-          </a:lstStyle>
-          <a:p>
-            <a:r>
-              <a:rPr kumimoji="0" lang="en-US" smtClean="0"/>
+          <a:lstStyle/>
+          <a:p>
+            <a:r>
+              <a:rPr kumimoji="0" lang="en-US"/>
               <a:t>Click to edit Master title style</a:t>
             </a:r>
-            <a:endParaRPr kumimoji="0" lang="en-US"/>
           </a:p>
         </p:txBody>
       </p:sp>
@@ -2643,10 +2591,9 @@
           </a:lstStyle>
           <a:p>
             <a:r>
-              <a:rPr kumimoji="0" lang="en-US" smtClean="0"/>
+              <a:rPr kumimoji="0" lang="en-US"/>
               <a:t>Click to edit Master title style</a:t>
             </a:r>
-            <a:endParaRPr kumimoji="0" lang="en-US"/>
           </a:p>
         </p:txBody>
       </p:sp>
@@ -2707,7 +2654,7 @@
           <a:p>
             <a:pPr lvl="0" eaLnBrk="1" latinLnBrk="0" hangingPunct="1"/>
             <a:r>
-              <a:rPr kumimoji="0" lang="en-US" smtClean="0"/>
+              <a:rPr kumimoji="0" lang="en-US"/>
               <a:t>Click to edit Master text styles</a:t>
             </a:r>
           </a:p>
@@ -2770,7 +2717,7 @@
           <a:p>
             <a:pPr lvl="0" eaLnBrk="1" latinLnBrk="0" hangingPunct="1"/>
             <a:r>
-              <a:rPr kumimoji="0" lang="en-US" smtClean="0"/>
+              <a:rPr kumimoji="0" lang="en-US"/>
               <a:t>Click to edit Master text styles</a:t>
             </a:r>
           </a:p>
@@ -2820,35 +2767,35 @@
           <a:p>
             <a:pPr lvl="0" eaLnBrk="1" latinLnBrk="0" hangingPunct="1"/>
             <a:r>
-              <a:rPr lang="en-US" smtClean="0"/>
+              <a:rPr lang="en-US"/>
               <a:t>Click to edit Master text styles</a:t>
             </a:r>
           </a:p>
           <a:p>
             <a:pPr lvl="1" eaLnBrk="1" latinLnBrk="0" hangingPunct="1"/>
             <a:r>
-              <a:rPr lang="en-US" smtClean="0"/>
+              <a:rPr lang="en-US"/>
               <a:t>Second level</a:t>
             </a:r>
           </a:p>
           <a:p>
             <a:pPr lvl="2" eaLnBrk="1" latinLnBrk="0" hangingPunct="1"/>
             <a:r>
-              <a:rPr lang="en-US" smtClean="0"/>
+              <a:rPr lang="en-US"/>
               <a:t>Third level</a:t>
             </a:r>
           </a:p>
           <a:p>
             <a:pPr lvl="3" eaLnBrk="1" latinLnBrk="0" hangingPunct="1"/>
             <a:r>
-              <a:rPr lang="en-US" smtClean="0"/>
+              <a:rPr lang="en-US"/>
               <a:t>Fourth level</a:t>
             </a:r>
           </a:p>
           <a:p>
             <a:pPr lvl="4" eaLnBrk="1" latinLnBrk="0" hangingPunct="1"/>
             <a:r>
-              <a:rPr lang="en-US" smtClean="0"/>
+              <a:rPr lang="en-US"/>
               <a:t>Fifth level</a:t>
             </a:r>
             <a:endParaRPr kumimoji="0" lang="en-US"/>
@@ -2902,35 +2849,35 @@
           <a:p>
             <a:pPr lvl="0" eaLnBrk="1" latinLnBrk="0" hangingPunct="1"/>
             <a:r>
-              <a:rPr lang="en-US" smtClean="0"/>
+              <a:rPr lang="en-US"/>
               <a:t>Click to edit Master text styles</a:t>
             </a:r>
           </a:p>
           <a:p>
             <a:pPr lvl="1" eaLnBrk="1" latinLnBrk="0" hangingPunct="1"/>
             <a:r>
-              <a:rPr lang="en-US" smtClean="0"/>
+              <a:rPr lang="en-US"/>
               <a:t>Second level</a:t>
             </a:r>
           </a:p>
           <a:p>
             <a:pPr lvl="2" eaLnBrk="1" latinLnBrk="0" hangingPunct="1"/>
             <a:r>
-              <a:rPr lang="en-US" smtClean="0"/>
+              <a:rPr lang="en-US"/>
               <a:t>Third level</a:t>
             </a:r>
           </a:p>
           <a:p>
             <a:pPr lvl="3" eaLnBrk="1" latinLnBrk="0" hangingPunct="1"/>
             <a:r>
-              <a:rPr lang="en-US" smtClean="0"/>
+              <a:rPr lang="en-US"/>
               <a:t>Fourth level</a:t>
             </a:r>
           </a:p>
           <a:p>
             <a:pPr lvl="4" eaLnBrk="1" latinLnBrk="0" hangingPunct="1"/>
             <a:r>
-              <a:rPr lang="en-US" smtClean="0"/>
+              <a:rPr lang="en-US"/>
               <a:t>Fifth level</a:t>
             </a:r>
             <a:endParaRPr kumimoji="0" lang="en-US"/>
@@ -2950,9 +2897,7 @@
         <p:spPr/>
         <p:txBody>
           <a:bodyPr/>
-          <a:lstStyle>
-            <a:extLst/>
-          </a:lstStyle>
+          <a:lstStyle/>
           <a:p>
             <a:fld id="{9796027F-7875-4030-9381-8BD8C4F21935}" type="datetimeFigureOut">
               <a:rPr lang="en-US" smtClean="0"/>
@@ -2975,9 +2920,7 @@
         <p:spPr/>
         <p:txBody>
           <a:bodyPr/>
-          <a:lstStyle>
-            <a:extLst/>
-          </a:lstStyle>
+          <a:lstStyle/>
           <a:p>
             <a:endParaRPr lang="en-US" dirty="0"/>
           </a:p>
@@ -2996,9 +2939,7 @@
         <p:spPr/>
         <p:txBody>
           <a:bodyPr/>
-          <a:lstStyle>
-            <a:extLst/>
-          </a:lstStyle>
+          <a:lstStyle/>
           <a:p>
             <a:fld id="{D57F1E4F-1CFF-5643-939E-02111984F565}" type="slidenum">
               <a:rPr lang="en-US" smtClean="0"/>
@@ -3051,9 +2992,7 @@
         <p:spPr/>
         <p:txBody>
           <a:bodyPr/>
-          <a:lstStyle>
-            <a:extLst/>
-          </a:lstStyle>
+          <a:lstStyle/>
           <a:p>
             <a:fld id="{4509A250-FF31-4206-8172-F9D3106AACB1}" type="datetimeFigureOut">
               <a:rPr lang="en-US" smtClean="0"/>
@@ -3076,9 +3015,7 @@
         <p:spPr/>
         <p:txBody>
           <a:bodyPr/>
-          <a:lstStyle>
-            <a:extLst/>
-          </a:lstStyle>
+          <a:lstStyle/>
           <a:p>
             <a:endParaRPr lang="en-US" dirty="0"/>
           </a:p>
@@ -3097,9 +3034,7 @@
         <p:spPr/>
         <p:txBody>
           <a:bodyPr/>
-          <a:lstStyle>
-            <a:extLst/>
-          </a:lstStyle>
+          <a:lstStyle/>
           <a:p>
             <a:fld id="{D57F1E4F-1CFF-5643-939E-02111984F565}" type="slidenum">
               <a:rPr lang="en-US" smtClean="0"/>
@@ -3122,15 +3057,12 @@
         <p:spPr/>
         <p:txBody>
           <a:bodyPr rtlCol="0"/>
-          <a:lstStyle>
-            <a:extLst/>
-          </a:lstStyle>
-          <a:p>
-            <a:r>
-              <a:rPr kumimoji="0" lang="en-US" smtClean="0"/>
+          <a:lstStyle/>
+          <a:p>
+            <a:r>
+              <a:rPr kumimoji="0" lang="en-US"/>
               <a:t>Click to edit Master title style</a:t>
             </a:r>
-            <a:endParaRPr kumimoji="0" lang="en-US"/>
           </a:p>
         </p:txBody>
       </p:sp>
@@ -3172,9 +3104,7 @@
         <p:spPr/>
         <p:txBody>
           <a:bodyPr/>
-          <a:lstStyle>
-            <a:extLst/>
-          </a:lstStyle>
+          <a:lstStyle/>
           <a:p>
             <a:fld id="{4509A250-FF31-4206-8172-F9D3106AACB1}" type="datetimeFigureOut">
               <a:rPr lang="en-US" smtClean="0"/>
@@ -3197,9 +3127,7 @@
         <p:spPr/>
         <p:txBody>
           <a:bodyPr/>
-          <a:lstStyle>
-            <a:extLst/>
-          </a:lstStyle>
+          <a:lstStyle/>
           <a:p>
             <a:endParaRPr lang="en-US" dirty="0"/>
           </a:p>
@@ -3218,9 +3146,7 @@
         <p:spPr/>
         <p:txBody>
           <a:bodyPr/>
-          <a:lstStyle>
-            <a:extLst/>
-          </a:lstStyle>
+          <a:lstStyle/>
           <a:p>
             <a:fld id="{D57F1E4F-1CFF-5643-939E-02111984F565}" type="slidenum">
               <a:rPr lang="en-US" smtClean="0"/>
@@ -3297,10 +3223,9 @@
           </a:lstStyle>
           <a:p>
             <a:r>
-              <a:rPr kumimoji="0" lang="en-US" smtClean="0"/>
+              <a:rPr kumimoji="0" lang="en-US"/>
               <a:t>Click to edit Master title style</a:t>
             </a:r>
-            <a:endParaRPr kumimoji="0" lang="en-US"/>
           </a:p>
         </p:txBody>
       </p:sp>
@@ -3348,7 +3273,7 @@
           <a:p>
             <a:pPr lvl="0" eaLnBrk="1" latinLnBrk="0" hangingPunct="1"/>
             <a:r>
-              <a:rPr kumimoji="0" lang="en-US" smtClean="0"/>
+              <a:rPr kumimoji="0" lang="en-US"/>
               <a:t>Click to edit Master text styles</a:t>
             </a:r>
           </a:p>
@@ -3393,35 +3318,35 @@
           <a:p>
             <a:pPr lvl="0" eaLnBrk="1" latinLnBrk="0" hangingPunct="1"/>
             <a:r>
-              <a:rPr lang="en-US" smtClean="0"/>
+              <a:rPr lang="en-US"/>
               <a:t>Click to edit Master text styles</a:t>
             </a:r>
           </a:p>
           <a:p>
             <a:pPr lvl="1" eaLnBrk="1" latinLnBrk="0" hangingPunct="1"/>
             <a:r>
-              <a:rPr lang="en-US" smtClean="0"/>
+              <a:rPr lang="en-US"/>
               <a:t>Second level</a:t>
             </a:r>
           </a:p>
           <a:p>
             <a:pPr lvl="2" eaLnBrk="1" latinLnBrk="0" hangingPunct="1"/>
             <a:r>
-              <a:rPr lang="en-US" smtClean="0"/>
+              <a:rPr lang="en-US"/>
               <a:t>Third level</a:t>
             </a:r>
           </a:p>
           <a:p>
             <a:pPr lvl="3" eaLnBrk="1" latinLnBrk="0" hangingPunct="1"/>
             <a:r>
-              <a:rPr lang="en-US" smtClean="0"/>
+              <a:rPr lang="en-US"/>
               <a:t>Fourth level</a:t>
             </a:r>
           </a:p>
           <a:p>
             <a:pPr lvl="4" eaLnBrk="1" latinLnBrk="0" hangingPunct="1"/>
             <a:r>
-              <a:rPr lang="en-US" smtClean="0"/>
+              <a:rPr lang="en-US"/>
               <a:t>Fifth level</a:t>
             </a:r>
             <a:endParaRPr kumimoji="0" lang="en-US"/>
@@ -3446,9 +3371,7 @@
         </p:spPr>
         <p:txBody>
           <a:bodyPr/>
-          <a:lstStyle>
-            <a:extLst/>
-          </a:lstStyle>
+          <a:lstStyle/>
           <a:p>
             <a:fld id="{4509A250-FF31-4206-8172-F9D3106AACB1}" type="datetimeFigureOut">
               <a:rPr lang="en-US" smtClean="0"/>
@@ -3471,9 +3394,7 @@
         <p:spPr/>
         <p:txBody>
           <a:bodyPr/>
-          <a:lstStyle>
-            <a:extLst/>
-          </a:lstStyle>
+          <a:lstStyle/>
           <a:p>
             <a:endParaRPr lang="en-US" dirty="0"/>
           </a:p>
@@ -3492,9 +3413,7 @@
         <p:spPr/>
         <p:txBody>
           <a:bodyPr/>
-          <a:lstStyle>
-            <a:extLst/>
-          </a:lstStyle>
+          <a:lstStyle/>
           <a:p>
             <a:fld id="{D57F1E4F-1CFF-5643-939E-02111984F565}" type="slidenum">
               <a:rPr lang="en-US" smtClean="0"/>
@@ -3575,7 +3494,7 @@
           <a:p>
             <a:pPr lvl="0" eaLnBrk="1" latinLnBrk="0" hangingPunct="1"/>
             <a:r>
-              <a:rPr kumimoji="0" lang="en-US" smtClean="0"/>
+              <a:rPr kumimoji="0" lang="en-US"/>
               <a:t>Click to edit Master text styles</a:t>
             </a:r>
           </a:p>
@@ -3624,7 +3543,7 @@
           </a:lstStyle>
           <a:p>
             <a:r>
-              <a:rPr kumimoji="0" lang="en-US" smtClean="0"/>
+              <a:rPr kumimoji="0" lang="en-US"/>
               <a:t>Click icon to add picture</a:t>
             </a:r>
             <a:endParaRPr kumimoji="0" lang="en-US" dirty="0"/>
@@ -3769,10 +3688,9 @@
           </a:lstStyle>
           <a:p>
             <a:r>
-              <a:rPr kumimoji="0" lang="en-US" smtClean="0"/>
+              <a:rPr kumimoji="0" lang="en-US"/>
               <a:t>Click to edit Master title style</a:t>
             </a:r>
-            <a:endParaRPr kumimoji="0" lang="en-US"/>
           </a:p>
         </p:txBody>
       </p:sp>
@@ -3852,9 +3770,7 @@
         </p:spPr>
         <p:txBody>
           <a:bodyPr vert="horz" wrap="square" lIns="91440" tIns="45720" rIns="91440" bIns="45720" anchor="t" compatLnSpc="1"/>
-          <a:lstStyle>
-            <a:extLst/>
-          </a:lstStyle>
+          <a:lstStyle/>
           <a:p>
             <a:endParaRPr kumimoji="0" lang="en-US"/>
           </a:p>
@@ -3934,9 +3850,7 @@
         </p:spPr>
         <p:txBody>
           <a:bodyPr vert="horz" wrap="square" lIns="91440" tIns="45720" rIns="91440" bIns="45720" anchor="t" compatLnSpc="1"/>
-          <a:lstStyle>
-            <a:extLst/>
-          </a:lstStyle>
+          <a:lstStyle/>
           <a:p>
             <a:endParaRPr kumimoji="0" lang="en-US"/>
           </a:p>
@@ -4044,9 +3958,7 @@
         </p:style>
         <p:txBody>
           <a:bodyPr vert="horz" wrap="square" lIns="91440" tIns="45720" rIns="91440" bIns="45720" anchor="ctr" compatLnSpc="1"/>
-          <a:lstStyle>
-            <a:extLst/>
-          </a:lstStyle>
+          <a:lstStyle/>
           <a:p>
             <a:pPr algn="ctr" eaLnBrk="1" latinLnBrk="0" hangingPunct="1"/>
             <a:endParaRPr kumimoji="0" lang="en-US"/>
@@ -4177,9 +4089,7 @@
         </p:style>
         <p:txBody>
           <a:bodyPr anchor="ctr"/>
-          <a:lstStyle>
-            <a:extLst/>
-          </a:lstStyle>
+          <a:lstStyle/>
           <a:p>
             <a:pPr algn="l" eaLnBrk="1" latinLnBrk="0" hangingPunct="1"/>
             <a:endParaRPr kumimoji="0" lang="en-US"/>
@@ -4257,9 +4167,7 @@
         </p:style>
         <p:txBody>
           <a:bodyPr anchor="ctr"/>
-          <a:lstStyle>
-            <a:extLst/>
-          </a:lstStyle>
+          <a:lstStyle/>
           <a:p>
             <a:pPr algn="l" eaLnBrk="1" latinLnBrk="0" hangingPunct="1"/>
             <a:endParaRPr kumimoji="0" lang="en-US"/>
@@ -4372,9 +4280,7 @@
         </p:spPr>
         <p:txBody>
           <a:bodyPr vert="horz" wrap="square" lIns="91440" tIns="45720" rIns="91440" bIns="45720" anchor="t" compatLnSpc="1"/>
-          <a:lstStyle>
-            <a:extLst/>
-          </a:lstStyle>
+          <a:lstStyle/>
           <a:p>
             <a:endParaRPr kumimoji="0" lang="en-US"/>
           </a:p>
@@ -4454,9 +4360,7 @@
         </p:spPr>
         <p:txBody>
           <a:bodyPr vert="horz" wrap="square" lIns="91440" tIns="45720" rIns="91440" bIns="45720" anchor="t" compatLnSpc="1"/>
-          <a:lstStyle>
-            <a:extLst/>
-          </a:lstStyle>
+          <a:lstStyle/>
           <a:p>
             <a:endParaRPr kumimoji="0" lang="en-US"/>
           </a:p>
@@ -4564,9 +4468,7 @@
         </p:style>
         <p:txBody>
           <a:bodyPr vert="horz" wrap="square" lIns="91440" tIns="45720" rIns="91440" bIns="45720" anchor="ctr" compatLnSpc="1"/>
-          <a:lstStyle>
-            <a:extLst/>
-          </a:lstStyle>
+          <a:lstStyle/>
           <a:p>
             <a:pPr algn="ctr" eaLnBrk="1" latinLnBrk="0" hangingPunct="1"/>
             <a:endParaRPr kumimoji="0" lang="en-US"/>
@@ -4656,15 +4558,12 @@
               <a:bevelT w="25400" h="25400"/>
             </a:sp3d>
           </a:bodyPr>
-          <a:lstStyle>
-            <a:extLst/>
-          </a:lstStyle>
-          <a:p>
-            <a:r>
-              <a:rPr kumimoji="0" lang="en-US" smtClean="0"/>
+          <a:lstStyle/>
+          <a:p>
+            <a:r>
+              <a:rPr kumimoji="0" lang="en-US"/>
               <a:t>Click to edit Master title style</a:t>
             </a:r>
-            <a:endParaRPr kumimoji="0" lang="en-US"/>
           </a:p>
         </p:txBody>
       </p:sp>
@@ -4691,44 +4590,41 @@
           <a:bodyPr vert="horz">
             <a:normAutofit/>
           </a:bodyPr>
-          <a:lstStyle>
-            <a:extLst/>
-          </a:lstStyle>
+          <a:lstStyle/>
           <a:p>
             <a:pPr lvl="0" eaLnBrk="1" latinLnBrk="0" hangingPunct="1"/>
             <a:r>
-              <a:rPr kumimoji="0" lang="en-US" smtClean="0"/>
+              <a:rPr kumimoji="0" lang="en-US"/>
               <a:t>Click to edit Master text styles</a:t>
             </a:r>
           </a:p>
           <a:p>
             <a:pPr lvl="1" eaLnBrk="1" latinLnBrk="0" hangingPunct="1"/>
             <a:r>
-              <a:rPr kumimoji="0" lang="en-US" smtClean="0"/>
+              <a:rPr kumimoji="0" lang="en-US"/>
               <a:t>Second level</a:t>
             </a:r>
           </a:p>
           <a:p>
             <a:pPr lvl="2" eaLnBrk="1" latinLnBrk="0" hangingPunct="1"/>
             <a:r>
-              <a:rPr kumimoji="0" lang="en-US" smtClean="0"/>
+              <a:rPr kumimoji="0" lang="en-US"/>
               <a:t>Third level</a:t>
             </a:r>
           </a:p>
           <a:p>
             <a:pPr lvl="3" eaLnBrk="1" latinLnBrk="0" hangingPunct="1"/>
             <a:r>
-              <a:rPr kumimoji="0" lang="en-US" smtClean="0"/>
+              <a:rPr kumimoji="0" lang="en-US"/>
               <a:t>Fourth level</a:t>
             </a:r>
           </a:p>
           <a:p>
             <a:pPr lvl="4" eaLnBrk="1" latinLnBrk="0" hangingPunct="1"/>
             <a:r>
-              <a:rPr kumimoji="0" lang="en-US" smtClean="0"/>
+              <a:rPr kumimoji="0" lang="en-US"/>
               <a:t>Fifth level</a:t>
             </a:r>
-            <a:endParaRPr kumimoji="0" lang="en-US"/>
           </a:p>
         </p:txBody>
       </p:sp>
@@ -5236,7 +5132,7 @@
           <a:lstStyle/>
           <a:p>
             <a:r>
-              <a:rPr lang="en-US" dirty="0" smtClean="0"/>
+              <a:rPr lang="en-US" dirty="0"/>
               <a:t>IOT </a:t>
             </a:r>
             <a:endParaRPr lang="en-IN" dirty="0"/>
@@ -5253,13 +5149,6 @@
   <p:clrMapOvr>
     <a:masterClrMapping/>
   </p:clrMapOvr>
-  <p:timing>
-    <p:tnLst>
-      <p:par>
-        <p:cTn id="1" dur="indefinite" restart="never" nodeType="tmRoot"/>
-      </p:par>
-    </p:tnLst>
-  </p:timing>
 </p:sld>
 </file>
 
@@ -5411,7 +5300,7 @@
               <a:buSzPct val="25000"/>
             </a:pPr>
             <a:r>
-              <a:rPr lang="en-IN" sz="4000" dirty="0" smtClean="0"/>
+              <a:rPr lang="en-IN" sz="4000" dirty="0"/>
               <a:t>Eco System</a:t>
             </a:r>
             <a:endParaRPr lang="en-GB" sz="4000" b="0" cap="small" dirty="0">
@@ -5481,11 +5370,7 @@
           <a:p>
             <a:r>
               <a:rPr lang="en-US" sz="800" dirty="0"/>
-              <a:t>Ref </a:t>
-            </a:r>
-            <a:r>
-              <a:rPr lang="en-US" sz="800" dirty="0" smtClean="0"/>
-              <a:t>:Arm </a:t>
+              <a:t>Ref :Arm </a:t>
             </a:r>
             <a:r>
               <a:rPr lang="en-US" sz="800" dirty="0" err="1"/>
@@ -5513,13 +5398,6 @@
   <p:clrMapOvr>
     <a:masterClrMapping/>
   </p:clrMapOvr>
-  <p:timing>
-    <p:tnLst>
-      <p:par>
-        <p:cTn id="1" dur="indefinite" restart="never" nodeType="tmRoot"/>
-      </p:par>
-    </p:tnLst>
-  </p:timing>
 </p:sld>
 </file>
 
@@ -5556,7 +5434,7 @@
           <a:lstStyle/>
           <a:p>
             <a:r>
-              <a:rPr lang="en-US" dirty="0" smtClean="0"/>
+              <a:rPr lang="en-US" dirty="0"/>
               <a:t>CoAP: QoS and Architecture</a:t>
             </a:r>
             <a:endParaRPr lang="en-IN" dirty="0"/>
@@ -5588,7 +5466,7 @@
               <a:buChar char="§"/>
             </a:pPr>
             <a:r>
-              <a:rPr lang="en-US" dirty="0" smtClean="0"/>
+              <a:rPr lang="en-US" dirty="0"/>
               <a:t> </a:t>
             </a:r>
             <a:r>
@@ -5602,7 +5480,7 @@
               <a:buChar char="§"/>
             </a:pPr>
             <a:r>
-              <a:rPr lang="en-US" dirty="0" smtClean="0"/>
+              <a:rPr lang="en-US" dirty="0"/>
               <a:t> </a:t>
             </a:r>
             <a:r>
@@ -5616,7 +5494,7 @@
               <a:buChar char="§"/>
             </a:pPr>
             <a:r>
-              <a:rPr lang="en-US" dirty="0" smtClean="0"/>
+              <a:rPr lang="en-US" dirty="0"/>
               <a:t> </a:t>
             </a:r>
             <a:r>
@@ -5669,13 +5547,6 @@
   <p:clrMapOvr>
     <a:masterClrMapping/>
   </p:clrMapOvr>
-  <p:timing>
-    <p:tnLst>
-      <p:par>
-        <p:cTn id="1" dur="indefinite" restart="never" nodeType="tmRoot"/>
-      </p:par>
-    </p:tnLst>
-  </p:timing>
 </p:sld>
 </file>
 
@@ -5749,7 +5620,7 @@
           <a:lstStyle/>
           <a:p>
             <a:r>
-              <a:rPr lang="en-US" dirty="0" smtClean="0"/>
+              <a:rPr lang="en-US" dirty="0"/>
               <a:t>Separate Resource</a:t>
             </a:r>
             <a:endParaRPr lang="en-IN" dirty="0"/>
@@ -5766,13 +5637,6 @@
   <p:clrMapOvr>
     <a:masterClrMapping/>
   </p:clrMapOvr>
-  <p:timing>
-    <p:tnLst>
-      <p:par>
-        <p:cTn id="1" dur="indefinite" restart="never" nodeType="tmRoot"/>
-      </p:par>
-    </p:tnLst>
-  </p:timing>
 </p:sld>
 </file>
 
@@ -5809,7 +5673,7 @@
           <a:lstStyle/>
           <a:p>
             <a:r>
-              <a:rPr lang="en-US" dirty="0" smtClean="0"/>
+              <a:rPr lang="en-US" dirty="0"/>
               <a:t>Observe Pattern</a:t>
             </a:r>
             <a:endParaRPr lang="en-IN" dirty="0"/>
@@ -5858,13 +5722,6 @@
   <p:clrMapOvr>
     <a:masterClrMapping/>
   </p:clrMapOvr>
-  <p:timing>
-    <p:tnLst>
-      <p:par>
-        <p:cTn id="1" dur="indefinite" restart="never" nodeType="tmRoot"/>
-      </p:par>
-    </p:tnLst>
-  </p:timing>
 </p:sld>
 </file>
 
@@ -5940,7 +5797,7 @@
           <a:p>
             <a:pPr algn="r"/>
             <a:r>
-              <a:rPr lang="en-US" dirty="0" smtClean="0"/>
+              <a:rPr lang="en-US" dirty="0"/>
               <a:t>Event Driven Architecture</a:t>
             </a:r>
             <a:endParaRPr lang="en-IN" dirty="0"/>
@@ -5957,13 +5814,6 @@
   <p:clrMapOvr>
     <a:masterClrMapping/>
   </p:clrMapOvr>
-  <p:timing>
-    <p:tnLst>
-      <p:par>
-        <p:cTn id="1" dur="indefinite" restart="never" nodeType="tmRoot"/>
-      </p:par>
-    </p:tnLst>
-  </p:timing>
 </p:sld>
 </file>
 
@@ -6069,10 +5919,9 @@
           <a:lstStyle/>
           <a:p>
             <a:r>
-              <a:rPr lang="en-IN" dirty="0" smtClean="0"/>
+              <a:rPr lang="en-IN" dirty="0"/>
               <a:t>Event Driven Architecture</a:t>
             </a:r>
-            <a:endParaRPr lang="en-IN" dirty="0"/>
           </a:p>
         </p:txBody>
       </p:sp>
@@ -6099,7 +5948,7 @@
           <a:lstStyle/>
           <a:p>
             <a:r>
-              <a:rPr lang="en-US" dirty="0" smtClean="0"/>
+              <a:rPr lang="en-US" dirty="0"/>
               <a:t>Public Network</a:t>
             </a:r>
             <a:endParaRPr lang="en-IN" dirty="0"/>
@@ -6159,7 +6008,7 @@
           <a:lstStyle/>
           <a:p>
             <a:r>
-              <a:rPr lang="en-US" sz="1400" b="1" dirty="0" smtClean="0">
+              <a:rPr lang="en-US" sz="1400" b="1" dirty="0">
                 <a:latin typeface="Times New Roman" pitchFamily="18" charset="0"/>
                 <a:cs typeface="Times New Roman" pitchFamily="18" charset="0"/>
               </a:rPr>
@@ -6195,7 +6044,7 @@
           <a:lstStyle/>
           <a:p>
             <a:r>
-              <a:rPr lang="en-US" sz="1400" b="1" dirty="0" smtClean="0">
+              <a:rPr lang="en-US" sz="1400" b="1" dirty="0">
                 <a:latin typeface="Times New Roman" pitchFamily="18" charset="0"/>
                 <a:cs typeface="Times New Roman" pitchFamily="18" charset="0"/>
               </a:rPr>
@@ -6231,7 +6080,7 @@
           <a:lstStyle/>
           <a:p>
             <a:r>
-              <a:rPr lang="en-US" sz="1100" dirty="0" smtClean="0"/>
+              <a:rPr lang="en-US" sz="1100" dirty="0"/>
               <a:t>M2M</a:t>
             </a:r>
             <a:endParaRPr lang="en-IN" sz="1100" dirty="0"/>
@@ -6516,7 +6365,7 @@
           <a:p>
             <a:pPr algn="ctr"/>
             <a:r>
-              <a:rPr lang="en-US" dirty="0" smtClean="0">
+              <a:rPr lang="en-US" dirty="0">
                 <a:solidFill>
                   <a:schemeClr val="tx1"/>
                 </a:solidFill>
@@ -6541,13 +6390,6 @@
   <p:clrMapOvr>
     <a:masterClrMapping/>
   </p:clrMapOvr>
-  <p:timing>
-    <p:tnLst>
-      <p:par>
-        <p:cTn id="1" dur="indefinite" restart="never" nodeType="tmRoot"/>
-      </p:par>
-    </p:tnLst>
-  </p:timing>
 </p:sld>
 </file>
 
@@ -6846,10 +6688,9 @@
           <a:lstStyle/>
           <a:p>
             <a:r>
-              <a:rPr lang="en-IN" dirty="0" smtClean="0"/>
+              <a:rPr lang="en-IN" dirty="0"/>
               <a:t>Event Driven Architecture : Scenario</a:t>
             </a:r>
-            <a:endParaRPr lang="en-IN" dirty="0"/>
           </a:p>
         </p:txBody>
       </p:sp>
@@ -6876,7 +6717,7 @@
           <a:lstStyle/>
           <a:p>
             <a:r>
-              <a:rPr lang="en-US" dirty="0" smtClean="0"/>
+              <a:rPr lang="en-US" dirty="0"/>
               <a:t>Public Network</a:t>
             </a:r>
             <a:endParaRPr lang="en-IN" dirty="0"/>
@@ -6936,7 +6777,7 @@
           <a:lstStyle/>
           <a:p>
             <a:r>
-              <a:rPr lang="en-US" sz="1400" b="1" dirty="0" smtClean="0">
+              <a:rPr lang="en-US" sz="1400" b="1" dirty="0">
                 <a:latin typeface="Times New Roman" pitchFamily="18" charset="0"/>
                 <a:cs typeface="Times New Roman" pitchFamily="18" charset="0"/>
               </a:rPr>
@@ -7036,7 +6877,7 @@
           <a:lstStyle/>
           <a:p>
             <a:r>
-              <a:rPr lang="en-US" sz="1600" dirty="0" smtClean="0"/>
+              <a:rPr lang="en-US" sz="1600" dirty="0"/>
               <a:t>Sensors(Constrained devices)</a:t>
             </a:r>
           </a:p>
@@ -7068,7 +6909,7 @@
           <a:lstStyle/>
           <a:p>
             <a:r>
-              <a:rPr lang="en-US" sz="1100" dirty="0" smtClean="0"/>
+              <a:rPr lang="en-US" sz="1100" dirty="0"/>
               <a:t>M2M</a:t>
             </a:r>
             <a:endParaRPr lang="en-IN" sz="1100" dirty="0"/>
@@ -7202,15 +7043,7 @@
                   <a:schemeClr val="tx1"/>
                 </a:solidFill>
               </a:rPr>
-              <a:t>Constrained </a:t>
-            </a:r>
-            <a:r>
-              <a:rPr lang="en-US" dirty="0" smtClean="0">
-                <a:solidFill>
-                  <a:schemeClr val="tx1"/>
-                </a:solidFill>
-              </a:rPr>
-              <a:t>Networks</a:t>
+              <a:t>Constrained Networks</a:t>
             </a:r>
             <a:endParaRPr lang="en-IN" dirty="0">
               <a:solidFill>
@@ -7268,7 +7101,7 @@
           <a:p>
             <a:pPr algn="ctr"/>
             <a:r>
-              <a:rPr lang="en-US" sz="1100" dirty="0" smtClean="0">
+              <a:rPr lang="en-US" sz="1100" dirty="0">
                 <a:solidFill>
                   <a:schemeClr val="tx1"/>
                 </a:solidFill>
@@ -7331,7 +7164,7 @@
           <a:p>
             <a:pPr algn="ctr"/>
             <a:r>
-              <a:rPr lang="en-US" sz="1100" dirty="0" smtClean="0">
+              <a:rPr lang="en-US" sz="1100" dirty="0">
                 <a:solidFill>
                   <a:schemeClr val="tx1"/>
                 </a:solidFill>
@@ -7410,7 +7243,7 @@
           <a:lstStyle/>
           <a:p>
             <a:r>
-              <a:rPr lang="en-US" sz="1400" b="1" dirty="0" smtClean="0">
+              <a:rPr lang="en-US" sz="1400" b="1" dirty="0">
                 <a:latin typeface="Times New Roman" pitchFamily="18" charset="0"/>
                 <a:cs typeface="Times New Roman" pitchFamily="18" charset="0"/>
               </a:rPr>
@@ -7471,7 +7304,7 @@
           <a:p>
             <a:pPr algn="ctr"/>
             <a:r>
-              <a:rPr lang="en-US" sz="1100" dirty="0" smtClean="0">
+              <a:rPr lang="en-US" sz="1100" dirty="0">
                 <a:solidFill>
                   <a:schemeClr val="tx1"/>
                 </a:solidFill>
@@ -7496,13 +7329,6 @@
   <p:clrMapOvr>
     <a:masterClrMapping/>
   </p:clrMapOvr>
-  <p:timing>
-    <p:tnLst>
-      <p:par>
-        <p:cTn id="1" dur="indefinite" restart="never" nodeType="tmRoot"/>
-      </p:par>
-    </p:tnLst>
-  </p:timing>
 </p:sld>
 </file>
 
@@ -7547,11 +7373,7 @@
           <a:p>
             <a:r>
               <a:rPr lang="en-US" sz="2500" b="1" dirty="0"/>
-              <a:t>IBM MQ </a:t>
-            </a:r>
-            <a:r>
-              <a:rPr lang="en-US" sz="2500" b="1" dirty="0" smtClean="0"/>
-              <a:t>series</a:t>
+              <a:t>IBM MQ series</a:t>
             </a:r>
           </a:p>
           <a:p>
@@ -7560,11 +7382,7 @@
           <a:p>
             <a:r>
               <a:rPr lang="en-US" sz="2500" b="1" dirty="0"/>
-              <a:t>Approved OASIS </a:t>
-            </a:r>
-            <a:r>
-              <a:rPr lang="en-US" sz="2500" b="1" dirty="0" smtClean="0"/>
-              <a:t>Standard</a:t>
+              <a:t>Approved OASIS Standard</a:t>
             </a:r>
           </a:p>
           <a:p>
@@ -7572,28 +7390,12 @@
           </a:p>
           <a:p>
             <a:r>
-              <a:rPr lang="en-IN" sz="2500" b="1" dirty="0" smtClean="0"/>
-              <a:t>Space </a:t>
-            </a:r>
-            <a:r>
               <a:rPr lang="en-IN" sz="2500" b="1" dirty="0"/>
-              <a:t>decoupling</a:t>
+              <a:t>Space decoupling</a:t>
             </a:r>
             <a:r>
               <a:rPr lang="en-IN" sz="2500" dirty="0"/>
-              <a:t>: Publisher and subscriber do not need to know each other (by </a:t>
-            </a:r>
-            <a:r>
-              <a:rPr lang="en-IN" sz="2500" dirty="0" smtClean="0"/>
-              <a:t>IP </a:t>
-            </a:r>
-            <a:r>
-              <a:rPr lang="en-IN" sz="2500" dirty="0"/>
-              <a:t>address and port for example</a:t>
-            </a:r>
-            <a:r>
-              <a:rPr lang="en-IN" sz="2500" dirty="0" smtClean="0"/>
-              <a:t>)</a:t>
+              <a:t>: Publisher and subscriber do not need to know each other (by IP address and port for example)</a:t>
             </a:r>
           </a:p>
           <a:p>
@@ -7606,11 +7408,7 @@
             </a:r>
             <a:r>
               <a:rPr lang="en-IN" sz="2500" dirty="0"/>
-              <a:t>: Publisher and subscriber do not need to run at the same time</a:t>
-            </a:r>
-            <a:r>
-              <a:rPr lang="en-IN" sz="2500" dirty="0" smtClean="0"/>
-              <a:t>.</a:t>
+              <a:t>: Publisher and subscriber do not need to run at the same time.</a:t>
             </a:r>
           </a:p>
           <a:p>
@@ -7698,13 +7496,6 @@
   <p:clrMapOvr>
     <a:masterClrMapping/>
   </p:clrMapOvr>
-  <p:timing>
-    <p:tnLst>
-      <p:par>
-        <p:cTn id="1" dur="indefinite" restart="never" nodeType="tmRoot"/>
-      </p:par>
-    </p:tnLst>
-  </p:timing>
 </p:sld>
 </file>
 
@@ -7938,13 +7729,6 @@
   <p:clrMapOvr>
     <a:masterClrMapping/>
   </p:clrMapOvr>
-  <p:timing>
-    <p:tnLst>
-      <p:par>
-        <p:cTn id="1" dur="indefinite" restart="never" nodeType="tmRoot"/>
-      </p:par>
-    </p:tnLst>
-  </p:timing>
 </p:sld>
 </file>
 
@@ -8158,13 +7942,6 @@
   <p:clrMapOvr>
     <a:masterClrMapping/>
   </p:clrMapOvr>
-  <p:timing>
-    <p:tnLst>
-      <p:par>
-        <p:cTn id="1" dur="indefinite" restart="never" nodeType="tmRoot"/>
-      </p:par>
-    </p:tnLst>
-  </p:timing>
 </p:sld>
 </file>
 
@@ -8211,17 +7988,16 @@
               <a:rPr lang="en-US" sz="2500" b="1" dirty="0"/>
               <a:t>IOT </a:t>
             </a:r>
-            <a:endParaRPr lang="en-US" sz="2500" b="1" dirty="0" smtClean="0"/>
-          </a:p>
-          <a:p>
-            <a:r>
-              <a:rPr lang="en-IN" sz="2500" b="1" dirty="0" smtClean="0"/>
+          </a:p>
+          <a:p>
+            <a:r>
+              <a:rPr lang="en-IN" sz="2500" b="1" dirty="0"/>
               <a:t>MQTT</a:t>
             </a:r>
           </a:p>
           <a:p>
             <a:r>
-              <a:rPr lang="en-US" sz="2500" b="1" dirty="0" smtClean="0"/>
+              <a:rPr lang="en-US" sz="2500" b="1" dirty="0"/>
               <a:t>Event Driven Architecture</a:t>
             </a:r>
             <a:endParaRPr lang="en-IN" sz="2500" b="1" dirty="0"/>
@@ -8235,16 +8011,16 @@
           </a:p>
           <a:p>
             <a:r>
-              <a:rPr lang="en-IN" sz="2500" b="1" dirty="0" smtClean="0"/>
+              <a:rPr lang="en-IN" sz="2500" b="1" dirty="0"/>
               <a:t>Data Semantics</a:t>
             </a:r>
           </a:p>
           <a:p>
             <a:r>
-              <a:rPr lang="en-US" sz="2500" b="1" dirty="0" smtClean="0"/>
+              <a:rPr lang="en-US" sz="2500" b="1" dirty="0"/>
               <a:t>Demo</a:t>
             </a:r>
-            <a:endParaRPr lang="en-IN" sz="2500" b="1" dirty="0" smtClean="0"/>
+            <a:endParaRPr lang="en-IN" sz="2500" b="1" dirty="0"/>
           </a:p>
           <a:p>
             <a:endParaRPr lang="en-IN" sz="2500" b="1" dirty="0"/>
@@ -8272,10 +8048,9 @@
           <a:lstStyle/>
           <a:p>
             <a:r>
-              <a:rPr lang="en-IN" dirty="0" smtClean="0"/>
+              <a:rPr lang="en-IN" dirty="0"/>
               <a:t>Agenda</a:t>
             </a:r>
-            <a:endParaRPr lang="en-IN" dirty="0"/>
           </a:p>
         </p:txBody>
       </p:sp>
@@ -8289,13 +8064,6 @@
   <p:clrMapOvr>
     <a:masterClrMapping/>
   </p:clrMapOvr>
-  <p:timing>
-    <p:tnLst>
-      <p:par>
-        <p:cTn id="1" dur="indefinite" restart="never" nodeType="tmRoot"/>
-      </p:par>
-    </p:tnLst>
-  </p:timing>
 </p:sld>
 </file>
 
@@ -8468,13 +8236,6 @@
   <p:clrMapOvr>
     <a:masterClrMapping/>
   </p:clrMapOvr>
-  <p:timing>
-    <p:tnLst>
-      <p:par>
-        <p:cTn id="1" dur="indefinite" restart="never" nodeType="tmRoot"/>
-      </p:par>
-    </p:tnLst>
-  </p:timing>
 </p:sld>
 </file>
 
@@ -8688,13 +8449,6 @@
   <p:clrMapOvr>
     <a:masterClrMapping/>
   </p:clrMapOvr>
-  <p:timing>
-    <p:tnLst>
-      <p:par>
-        <p:cTn id="1" dur="indefinite" restart="never" nodeType="tmRoot"/>
-      </p:par>
-    </p:tnLst>
-  </p:timing>
 </p:sld>
 </file>
 
@@ -8770,13 +8524,8 @@
           <a:p>
             <a:r>
               <a:rPr lang="en-IN" dirty="0"/>
-              <a:t>MQTT : </a:t>
-            </a:r>
-            <a:r>
-              <a:rPr lang="en-IN" dirty="0" smtClean="0"/>
-              <a:t>Topics</a:t>
-            </a:r>
-            <a:endParaRPr lang="en-IN" dirty="0"/>
+              <a:t>MQTT : Topics</a:t>
+            </a:r>
           </a:p>
         </p:txBody>
       </p:sp>
@@ -8977,18 +8726,13 @@
               <a:buChar char=""/>
             </a:pPr>
             <a:r>
-              <a:rPr lang="en-US" sz="2600" dirty="0" smtClean="0">
+              <a:rPr lang="en-US" sz="2600" dirty="0">
                 <a:solidFill>
                   <a:schemeClr val="tx1"/>
                 </a:solidFill>
               </a:rPr>
               <a:t>UTF-8  and Case Sensitive</a:t>
             </a:r>
-            <a:endParaRPr lang="en-US" sz="2600" dirty="0">
-              <a:solidFill>
-                <a:schemeClr val="tx1"/>
-              </a:solidFill>
-            </a:endParaRPr>
           </a:p>
         </p:txBody>
       </p:sp>
@@ -9230,18 +8974,13 @@
               <a:buChar char=""/>
             </a:pPr>
             <a:r>
-              <a:rPr lang="en-US" sz="2600" dirty="0" smtClean="0">
+              <a:rPr lang="en-US" sz="2600" dirty="0">
                 <a:solidFill>
                   <a:schemeClr val="tx1"/>
                 </a:solidFill>
               </a:rPr>
               <a:t>Single Level :+</a:t>
             </a:r>
-            <a:endParaRPr lang="en-US" sz="2600" dirty="0">
-              <a:solidFill>
-                <a:schemeClr val="tx1"/>
-              </a:solidFill>
-            </a:endParaRPr>
           </a:p>
         </p:txBody>
       </p:sp>
@@ -9442,18 +9181,13 @@
               <a:buChar char=""/>
             </a:pPr>
             <a:r>
-              <a:rPr lang="en-US" sz="2600" dirty="0" smtClean="0">
+              <a:rPr lang="en-US" sz="2600" dirty="0">
                 <a:solidFill>
                   <a:schemeClr val="tx1"/>
                 </a:solidFill>
               </a:rPr>
-              <a:t>Multi Level : +</a:t>
-            </a:r>
-            <a:endParaRPr lang="en-US" sz="2600" dirty="0">
-              <a:solidFill>
-                <a:schemeClr val="tx1"/>
-              </a:solidFill>
-            </a:endParaRPr>
+              <a:t>Multi Level : #</a:t>
+            </a:r>
           </a:p>
         </p:txBody>
       </p:sp>
@@ -9549,13 +9283,6 @@
   <p:clrMapOvr>
     <a:masterClrMapping/>
   </p:clrMapOvr>
-  <p:timing>
-    <p:tnLst>
-      <p:par>
-        <p:cTn id="1" dur="indefinite" restart="never" nodeType="tmRoot"/>
-      </p:par>
-    </p:tnLst>
-  </p:timing>
 </p:sld>
 </file>
 
@@ -9592,26 +9319,25 @@
           <a:lstStyle/>
           <a:p>
             <a:r>
-              <a:rPr lang="en-US" dirty="0" smtClean="0"/>
+              <a:rPr lang="en-US" dirty="0"/>
               <a:t>Sensor Markup Language</a:t>
             </a:r>
           </a:p>
           <a:p>
             <a:r>
-              <a:rPr lang="en-US" dirty="0" smtClean="0"/>
+              <a:rPr lang="en-US" dirty="0"/>
               <a:t>IETF</a:t>
             </a:r>
           </a:p>
           <a:p>
             <a:r>
-              <a:rPr lang="en-US" dirty="0" smtClean="0"/>
+              <a:rPr lang="en-US" dirty="0"/>
               <a:t>Interoperability</a:t>
             </a:r>
-            <a:endParaRPr lang="en-US" dirty="0"/>
-          </a:p>
-          <a:p>
-            <a:r>
-              <a:rPr lang="en-US" dirty="0" smtClean="0"/>
+          </a:p>
+          <a:p>
+            <a:r>
+              <a:rPr lang="en-US" dirty="0"/>
               <a:t>HTTP CoAP MQTT</a:t>
             </a:r>
           </a:p>
@@ -9636,7 +9362,7 @@
           <a:lstStyle/>
           <a:p>
             <a:r>
-              <a:rPr lang="en-US" dirty="0" err="1" smtClean="0"/>
+              <a:rPr lang="en-US" dirty="0" err="1"/>
               <a:t>SenML</a:t>
             </a:r>
             <a:endParaRPr lang="en-IN" dirty="0"/>
@@ -9653,13 +9379,6 @@
   <p:clrMapOvr>
     <a:masterClrMapping/>
   </p:clrMapOvr>
-  <p:timing>
-    <p:tnLst>
-      <p:par>
-        <p:cTn id="1" dur="indefinite" restart="never" nodeType="tmRoot"/>
-      </p:par>
-    </p:tnLst>
-  </p:timing>
 </p:sld>
 </file>
 
@@ -9696,7 +9415,7 @@
           <a:lstStyle/>
           <a:p>
             <a:r>
-              <a:rPr lang="en-US" dirty="0" err="1" smtClean="0"/>
+              <a:rPr lang="en-US" dirty="0" err="1"/>
               <a:t>SenML</a:t>
             </a:r>
             <a:endParaRPr lang="en-IN" dirty="0"/>
@@ -9917,10 +9636,9 @@
           <a:lstStyle/>
           <a:p>
             <a:r>
-              <a:rPr lang="en-US" u="sng" dirty="0" smtClean="0"/>
+              <a:rPr lang="en-US" u="sng" dirty="0"/>
               <a:t>Table</a:t>
             </a:r>
-            <a:endParaRPr lang="en-US" u="sng" dirty="0"/>
           </a:p>
         </p:txBody>
       </p:sp>
@@ -9946,10 +9664,9 @@
           <a:lstStyle/>
           <a:p>
             <a:r>
-              <a:rPr lang="en-US" u="sng" dirty="0" smtClean="0"/>
+              <a:rPr lang="en-US" u="sng" dirty="0"/>
               <a:t>Example 1</a:t>
             </a:r>
-            <a:endParaRPr lang="en-US" u="sng" dirty="0"/>
           </a:p>
         </p:txBody>
       </p:sp>
@@ -9975,10 +9692,9 @@
           <a:lstStyle/>
           <a:p>
             <a:r>
-              <a:rPr lang="en-US" u="sng" dirty="0" smtClean="0"/>
+              <a:rPr lang="en-US" u="sng" dirty="0"/>
               <a:t>Example 2</a:t>
             </a:r>
-            <a:endParaRPr lang="en-US" u="sng" dirty="0"/>
           </a:p>
         </p:txBody>
       </p:sp>
@@ -10068,10 +9784,9 @@
           <a:lstStyle/>
           <a:p>
             <a:r>
-              <a:rPr lang="en-US" u="sng" dirty="0" smtClean="0"/>
+              <a:rPr lang="en-US" u="sng" dirty="0"/>
               <a:t>Example 3</a:t>
             </a:r>
-            <a:endParaRPr lang="en-US" u="sng" dirty="0"/>
           </a:p>
         </p:txBody>
       </p:sp>
@@ -10085,13 +9800,6 @@
   <p:clrMapOvr>
     <a:masterClrMapping/>
   </p:clrMapOvr>
-  <p:timing>
-    <p:tnLst>
-      <p:par>
-        <p:cTn id="1" dur="indefinite" restart="never" nodeType="tmRoot"/>
-      </p:par>
-    </p:tnLst>
-  </p:timing>
 </p:sld>
 </file>
 
@@ -10202,13 +9910,6 @@
   <p:clrMapOvr>
     <a:masterClrMapping/>
   </p:clrMapOvr>
-  <p:timing>
-    <p:tnLst>
-      <p:par>
-        <p:cTn id="1" dur="indefinite" restart="never" nodeType="tmRoot"/>
-      </p:par>
-    </p:tnLst>
-  </p:timing>
 </p:sld>
 </file>
 
@@ -10342,7 +10043,7 @@
           <a:p>
             <a:pPr algn="ctr"/>
             <a:r>
-              <a:rPr lang="en-US" sz="1400" dirty="0" smtClean="0">
+              <a:rPr lang="en-US" sz="1400" dirty="0">
                 <a:solidFill>
                   <a:schemeClr val="bg1"/>
                 </a:solidFill>
@@ -10353,7 +10054,7 @@
           <a:p>
             <a:pPr algn="ctr"/>
             <a:r>
-              <a:rPr lang="en-US" sz="1400" dirty="0" smtClean="0">
+              <a:rPr lang="en-US" sz="1400" dirty="0">
                 <a:solidFill>
                   <a:schemeClr val="bg1"/>
                 </a:solidFill>
@@ -10417,7 +10118,7 @@
           <a:p>
             <a:pPr algn="ctr"/>
             <a:r>
-              <a:rPr lang="en-US" sz="1400" dirty="0" smtClean="0">
+              <a:rPr lang="en-US" sz="1400" dirty="0">
                 <a:solidFill>
                   <a:schemeClr val="bg1"/>
                 </a:solidFill>
@@ -10481,7 +10182,7 @@
           <a:p>
             <a:pPr algn="ctr"/>
             <a:r>
-              <a:rPr lang="en-US" sz="1400" dirty="0" smtClean="0">
+              <a:rPr lang="en-US" sz="1400" dirty="0">
                 <a:solidFill>
                   <a:schemeClr val="bg1"/>
                 </a:solidFill>
@@ -10539,14 +10240,14 @@
           <a:p>
             <a:pPr algn="ctr"/>
             <a:r>
-              <a:rPr lang="en-US" dirty="0" smtClean="0"/>
+              <a:rPr lang="en-US" dirty="0"/>
               <a:t>Private</a:t>
             </a:r>
           </a:p>
           <a:p>
             <a:pPr algn="ctr"/>
             <a:r>
-              <a:rPr lang="en-US" dirty="0" smtClean="0"/>
+              <a:rPr lang="en-US" dirty="0"/>
               <a:t>network</a:t>
             </a:r>
             <a:endParaRPr lang="en-IN" dirty="0"/>
@@ -10596,7 +10297,7 @@
           <a:p>
             <a:pPr algn="ctr"/>
             <a:r>
-              <a:rPr lang="en-US" dirty="0" smtClean="0"/>
+              <a:rPr lang="en-US" dirty="0"/>
               <a:t>Internet</a:t>
             </a:r>
             <a:endParaRPr lang="en-IN" dirty="0"/>
@@ -10642,7 +10343,7 @@
               <a:buSzPct val="25000"/>
             </a:pPr>
             <a:r>
-              <a:rPr lang="en-GB" sz="4000" b="0" cap="small" dirty="0" smtClean="0">
+              <a:rPr lang="en-GB" sz="4000" b="0" cap="small" dirty="0">
                 <a:solidFill>
                   <a:schemeClr val="dk2"/>
                 </a:solidFill>
@@ -10653,15 +10354,6 @@
               </a:rPr>
               <a:t>IOT</a:t>
             </a:r>
-            <a:endParaRPr lang="en-GB" sz="4000" b="0" cap="small" dirty="0">
-              <a:solidFill>
-                <a:schemeClr val="dk2"/>
-              </a:solidFill>
-              <a:latin typeface="Libre Baskerville"/>
-              <a:ea typeface="Libre Baskerville"/>
-              <a:cs typeface="Libre Baskerville"/>
-              <a:sym typeface="Libre Baskerville"/>
-            </a:endParaRPr>
           </a:p>
         </p:txBody>
       </p:sp>
@@ -10713,7 +10405,7 @@
           <a:lstStyle/>
           <a:p>
             <a:pPr algn="ctr"/>
-            <a:endParaRPr lang="en-US" dirty="0" smtClean="0">
+            <a:endParaRPr lang="en-US" dirty="0">
               <a:solidFill>
                 <a:schemeClr val="tx1"/>
               </a:solidFill>
@@ -10722,7 +10414,7 @@
           <a:p>
             <a:pPr algn="ctr"/>
             <a:r>
-              <a:rPr lang="en-US" sz="1400" dirty="0" smtClean="0">
+              <a:rPr lang="en-US" sz="1400" dirty="0">
                 <a:solidFill>
                   <a:schemeClr val="bg1"/>
                 </a:solidFill>
@@ -10733,7 +10425,7 @@
           <a:p>
             <a:pPr algn="ctr"/>
             <a:r>
-              <a:rPr lang="en-US" sz="1400" dirty="0" smtClean="0">
+              <a:rPr lang="en-US" sz="1400" dirty="0">
                 <a:solidFill>
                   <a:schemeClr val="bg1"/>
                 </a:solidFill>
@@ -10806,7 +10498,7 @@
           </a:lstStyle>
           <a:p>
             <a:r>
-              <a:rPr lang="en-US" sz="800" dirty="0" smtClean="0"/>
+              <a:rPr lang="en-US" sz="800" dirty="0"/>
               <a:t>Ref :intel.com </a:t>
             </a:r>
             <a:endParaRPr lang="en-IN" sz="800" dirty="0"/>
@@ -10823,21 +10515,6 @@
   <p:clrMapOvr>
     <a:masterClrMapping/>
   </p:clrMapOvr>
-  <mc:AlternateContent xmlns:mc="http://schemas.openxmlformats.org/markup-compatibility/2006" xmlns:p14="http://schemas.microsoft.com/office/powerpoint/2010/main">
-    <mc:Choice Requires="p14">
-      <p:transition spd="slow" p14:dur="2000"/>
-    </mc:Choice>
-    <mc:Fallback xmlns="">
-      <p:transition spd="slow"/>
-    </mc:Fallback>
-  </mc:AlternateContent>
-  <p:timing>
-    <p:tnLst>
-      <p:par>
-        <p:cTn id="1" dur="indefinite" restart="never" nodeType="tmRoot"/>
-      </p:par>
-    </p:tnLst>
-  </p:timing>
 </p:sld>
 </file>
 
@@ -11065,7 +10742,7 @@
           <a:p>
             <a:pPr algn="ctr"/>
             <a:r>
-              <a:rPr lang="en-US" sz="1400" dirty="0" smtClean="0">
+              <a:rPr lang="en-US" sz="1400" dirty="0">
                 <a:solidFill>
                   <a:schemeClr val="bg1"/>
                 </a:solidFill>
@@ -11076,7 +10753,7 @@
           <a:p>
             <a:pPr algn="ctr"/>
             <a:r>
-              <a:rPr lang="en-US" sz="1400" dirty="0" smtClean="0">
+              <a:rPr lang="en-US" sz="1400" dirty="0">
                 <a:solidFill>
                   <a:schemeClr val="bg1"/>
                 </a:solidFill>
@@ -11139,7 +10816,7 @@
           <a:lstStyle/>
           <a:p>
             <a:pPr algn="ctr"/>
-            <a:endParaRPr lang="en-US" dirty="0" smtClean="0">
+            <a:endParaRPr lang="en-US" dirty="0">
               <a:solidFill>
                 <a:schemeClr val="tx1"/>
               </a:solidFill>
@@ -11148,7 +10825,7 @@
           <a:p>
             <a:pPr algn="ctr"/>
             <a:r>
-              <a:rPr lang="en-US" sz="1400" dirty="0" smtClean="0">
+              <a:rPr lang="en-US" sz="1400" dirty="0">
                 <a:solidFill>
                   <a:schemeClr val="bg1"/>
                 </a:solidFill>
@@ -11159,7 +10836,7 @@
           <a:p>
             <a:pPr algn="ctr"/>
             <a:r>
-              <a:rPr lang="en-US" sz="1400" dirty="0" smtClean="0">
+              <a:rPr lang="en-US" sz="1400" dirty="0">
                 <a:solidFill>
                   <a:schemeClr val="bg1"/>
                 </a:solidFill>
@@ -11227,7 +10904,7 @@
           <a:p>
             <a:pPr algn="ctr"/>
             <a:r>
-              <a:rPr lang="en-US" sz="1400" dirty="0" smtClean="0">
+              <a:rPr lang="en-US" sz="1400" dirty="0">
                 <a:solidFill>
                   <a:schemeClr val="bg1"/>
                 </a:solidFill>
@@ -11291,7 +10968,7 @@
           <a:p>
             <a:pPr algn="ctr"/>
             <a:r>
-              <a:rPr lang="en-US" sz="1400" dirty="0" smtClean="0">
+              <a:rPr lang="en-US" sz="1400" dirty="0">
                 <a:solidFill>
                   <a:schemeClr val="bg1"/>
                 </a:solidFill>
@@ -11349,14 +11026,14 @@
           <a:p>
             <a:pPr algn="ctr"/>
             <a:r>
-              <a:rPr lang="en-US" dirty="0" smtClean="0"/>
+              <a:rPr lang="en-US" dirty="0"/>
               <a:t>Private</a:t>
             </a:r>
           </a:p>
           <a:p>
             <a:pPr algn="ctr"/>
             <a:r>
-              <a:rPr lang="en-US" dirty="0" smtClean="0"/>
+              <a:rPr lang="en-US" dirty="0"/>
               <a:t>network</a:t>
             </a:r>
             <a:endParaRPr lang="en-IN" dirty="0"/>
@@ -11406,7 +11083,7 @@
           <a:p>
             <a:pPr algn="ctr"/>
             <a:r>
-              <a:rPr lang="en-US" sz="1400" dirty="0" smtClean="0"/>
+              <a:rPr lang="en-US" sz="1400" dirty="0"/>
               <a:t>Data</a:t>
             </a:r>
             <a:endParaRPr lang="en-IN" sz="1400" dirty="0"/>
@@ -11456,7 +11133,7 @@
           <a:p>
             <a:pPr algn="ctr"/>
             <a:r>
-              <a:rPr lang="en-US" sz="1400" dirty="0" smtClean="0"/>
+              <a:rPr lang="en-US" sz="1400" dirty="0"/>
               <a:t>Control</a:t>
             </a:r>
             <a:endParaRPr lang="en-IN" sz="1400" dirty="0"/>
@@ -11506,7 +11183,7 @@
           <a:p>
             <a:pPr algn="ctr"/>
             <a:r>
-              <a:rPr lang="en-US" dirty="0" smtClean="0"/>
+              <a:rPr lang="en-US" dirty="0"/>
               <a:t>Internet</a:t>
             </a:r>
             <a:endParaRPr lang="en-IN" dirty="0"/>
@@ -11552,7 +11229,7 @@
               <a:buSzPct val="25000"/>
             </a:pPr>
             <a:r>
-              <a:rPr lang="en-GB" sz="4000" b="0" cap="small" dirty="0" smtClean="0">
+              <a:rPr lang="en-GB" sz="4000" b="0" cap="small" dirty="0">
                 <a:solidFill>
                   <a:schemeClr val="dk2"/>
                 </a:solidFill>
@@ -11563,15 +11240,6 @@
               </a:rPr>
               <a:t>IOT : Scenario</a:t>
             </a:r>
-            <a:endParaRPr lang="en-GB" sz="4000" b="0" cap="small" dirty="0">
-              <a:solidFill>
-                <a:schemeClr val="dk2"/>
-              </a:solidFill>
-              <a:latin typeface="Libre Baskerville"/>
-              <a:ea typeface="Libre Baskerville"/>
-              <a:cs typeface="Libre Baskerville"/>
-              <a:sym typeface="Libre Baskerville"/>
-            </a:endParaRPr>
           </a:p>
         </p:txBody>
       </p:sp>
@@ -11711,7 +11379,7 @@
           </a:lstStyle>
           <a:p>
             <a:r>
-              <a:rPr lang="en-US" sz="800" dirty="0" smtClean="0"/>
+              <a:rPr lang="en-US" sz="800" dirty="0"/>
               <a:t>Ref :intel.com </a:t>
             </a:r>
             <a:endParaRPr lang="en-IN" sz="800" dirty="0"/>
@@ -11728,21 +11396,6 @@
   <p:clrMapOvr>
     <a:masterClrMapping/>
   </p:clrMapOvr>
-  <mc:AlternateContent xmlns:mc="http://schemas.openxmlformats.org/markup-compatibility/2006" xmlns:p14="http://schemas.microsoft.com/office/powerpoint/2010/main">
-    <mc:Choice Requires="p14">
-      <p:transition spd="slow" p14:dur="2000"/>
-    </mc:Choice>
-    <mc:Fallback xmlns="">
-      <p:transition spd="slow"/>
-    </mc:Fallback>
-  </mc:AlternateContent>
-  <p:timing>
-    <p:tnLst>
-      <p:par>
-        <p:cTn id="1" dur="indefinite" restart="never" nodeType="tmRoot"/>
-      </p:par>
-    </p:tnLst>
-  </p:timing>
 </p:sld>
 </file>
 
@@ -11829,7 +11482,7 @@
               <a:buSzPct val="25000"/>
             </a:pPr>
             <a:r>
-              <a:rPr lang="en-GB" sz="4000" b="0" cap="small" dirty="0" smtClean="0">
+              <a:rPr lang="en-GB" sz="4000" b="0" cap="small" dirty="0">
                 <a:solidFill>
                   <a:schemeClr val="dk2"/>
                 </a:solidFill>
@@ -11840,15 +11493,6 @@
               </a:rPr>
               <a:t>IOT Stack</a:t>
             </a:r>
-            <a:endParaRPr lang="en-GB" sz="4000" b="0" cap="small" dirty="0">
-              <a:solidFill>
-                <a:schemeClr val="dk2"/>
-              </a:solidFill>
-              <a:latin typeface="Libre Baskerville"/>
-              <a:ea typeface="Libre Baskerville"/>
-              <a:cs typeface="Libre Baskerville"/>
-              <a:sym typeface="Libre Baskerville"/>
-            </a:endParaRPr>
           </a:p>
         </p:txBody>
       </p:sp>
@@ -11862,13 +11506,6 @@
   <p:clrMapOvr>
     <a:masterClrMapping/>
   </p:clrMapOvr>
-  <p:timing>
-    <p:tnLst>
-      <p:par>
-        <p:cTn id="1" dur="indefinite" restart="never" nodeType="tmRoot"/>
-      </p:par>
-    </p:tnLst>
-  </p:timing>
 </p:sld>
 </file>
 
@@ -12025,13 +11662,6 @@
   <p:clrMapOvr>
     <a:masterClrMapping/>
   </p:clrMapOvr>
-  <p:timing>
-    <p:tnLst>
-      <p:par>
-        <p:cTn id="1" dur="indefinite" restart="never" nodeType="tmRoot"/>
-      </p:par>
-    </p:tnLst>
-  </p:timing>
 </p:sld>
 </file>
 
@@ -12076,21 +11706,13 @@
           <a:p>
             <a:r>
               <a:rPr lang="en-US" sz="1900" dirty="0"/>
-              <a:t>IBM MQ </a:t>
-            </a:r>
-            <a:r>
-              <a:rPr lang="en-US" sz="1900" dirty="0" smtClean="0"/>
-              <a:t>series</a:t>
-            </a:r>
-          </a:p>
-          <a:p>
-            <a:r>
-              <a:rPr lang="en-IN" sz="1900" dirty="0" smtClean="0"/>
-              <a:t>Developed </a:t>
-            </a:r>
+              <a:t>IBM MQ series</a:t>
+            </a:r>
+          </a:p>
+          <a:p>
             <a:r>
               <a:rPr lang="en-IN" sz="1900" dirty="0"/>
-              <a:t>along the HTTP/1.1 protocol and HTTP/1.1 adheres to it.</a:t>
+              <a:t>Developed along the HTTP/1.1 protocol and HTTP/1.1 adheres to it.</a:t>
             </a:r>
           </a:p>
           <a:p>
@@ -12241,7 +11863,7 @@
           <a:p>
             <a:pPr algn="ctr"/>
             <a:r>
-              <a:rPr lang="en-US" sz="2400" dirty="0" smtClean="0"/>
+              <a:rPr lang="en-US" sz="2400" dirty="0"/>
               <a:t>Resource</a:t>
             </a:r>
             <a:endParaRPr lang="en-US" dirty="0"/>
@@ -12691,7 +12313,7 @@
           </a:lstStyle>
           <a:p>
             <a:r>
-              <a:rPr lang="en-US" sz="2000" dirty="0" smtClean="0"/>
+              <a:rPr lang="en-US" sz="2000" dirty="0"/>
               <a:t>http://www.amazon.com/ep?wadl</a:t>
             </a:r>
             <a:endParaRPr lang="en-US" dirty="0"/>
@@ -12994,7 +12616,7 @@
           </a:lstStyle>
           <a:p>
             <a:r>
-              <a:rPr lang="en-US" sz="1400" u="sng" dirty="0" smtClean="0"/>
+              <a:rPr lang="en-US" sz="1400" u="sng" dirty="0"/>
               <a:t>Resource Representation(WADL / WSDL)</a:t>
             </a:r>
             <a:endParaRPr lang="en-US" sz="1400" dirty="0"/>
@@ -13141,7 +12763,7 @@
           <a:p>
             <a:pPr algn="ctr"/>
             <a:r>
-              <a:rPr lang="en-US" sz="2400" dirty="0" smtClean="0"/>
+              <a:rPr lang="en-US" sz="2400" dirty="0"/>
               <a:t>New State</a:t>
             </a:r>
             <a:endParaRPr lang="en-US" dirty="0"/>
@@ -13288,7 +12910,7 @@
           <a:p>
             <a:pPr algn="ctr"/>
             <a:r>
-              <a:rPr lang="en-US" sz="2400" dirty="0" smtClean="0"/>
+              <a:rPr lang="en-US" sz="2400" dirty="0"/>
               <a:t>Server</a:t>
             </a:r>
             <a:endParaRPr lang="en-US" dirty="0"/>
@@ -13760,7 +13382,7 @@
           <a:p>
             <a:pPr algn="ctr"/>
             <a:r>
-              <a:rPr lang="en-US" sz="2400" dirty="0" smtClean="0"/>
+              <a:rPr lang="en-US" sz="2400" dirty="0"/>
               <a:t>Server</a:t>
             </a:r>
             <a:endParaRPr lang="en-US" dirty="0"/>
@@ -13997,7 +13619,7 @@
           </a:lstStyle>
           <a:p>
             <a:r>
-              <a:rPr lang="en-US" sz="2000" dirty="0" smtClean="0"/>
+              <a:rPr lang="en-US" sz="2000" dirty="0"/>
               <a:t>Communication</a:t>
             </a:r>
             <a:endParaRPr lang="en-US" dirty="0"/>
@@ -14153,13 +13775,6 @@
   <p:clrMapOvr>
     <a:masterClrMapping/>
   </p:clrMapOvr>
-  <p:timing>
-    <p:tnLst>
-      <p:par>
-        <p:cTn id="1" dur="indefinite" restart="never" nodeType="tmRoot"/>
-      </p:par>
-    </p:tnLst>
-  </p:timing>
 </p:sld>
 </file>
 
@@ -14200,7 +13815,7 @@
               <a:buChar char="§"/>
             </a:pPr>
             <a:r>
-              <a:rPr lang="en-US" dirty="0" smtClean="0"/>
+              <a:rPr lang="en-US" dirty="0"/>
               <a:t> </a:t>
             </a:r>
             <a:r>
@@ -14214,7 +13829,7 @@
               <a:buChar char="§"/>
             </a:pPr>
             <a:r>
-              <a:rPr lang="en-US" dirty="0" smtClean="0"/>
+              <a:rPr lang="en-US" dirty="0"/>
               <a:t> </a:t>
             </a:r>
             <a:r>
@@ -14228,7 +13843,7 @@
               <a:buChar char="§"/>
             </a:pPr>
             <a:r>
-              <a:rPr lang="en-US" dirty="0" smtClean="0"/>
+              <a:rPr lang="en-US" dirty="0"/>
               <a:t> </a:t>
             </a:r>
             <a:r>
@@ -14242,7 +13857,7 @@
               <a:buChar char="§"/>
             </a:pPr>
             <a:r>
-              <a:rPr lang="en-US" dirty="0" smtClean="0"/>
+              <a:rPr lang="en-US" dirty="0"/>
               <a:t> </a:t>
             </a:r>
             <a:r>
@@ -14256,7 +13871,7 @@
               <a:buChar char="§"/>
             </a:pPr>
             <a:r>
-              <a:rPr lang="en-US" dirty="0" smtClean="0"/>
+              <a:rPr lang="en-US" dirty="0"/>
               <a:t> </a:t>
             </a:r>
             <a:r>
@@ -14270,7 +13885,7 @@
               <a:buChar char="§"/>
             </a:pPr>
             <a:r>
-              <a:rPr lang="en-US" dirty="0" smtClean="0"/>
+              <a:rPr lang="en-US" dirty="0"/>
               <a:t> </a:t>
             </a:r>
             <a:r>
@@ -14348,12 +13963,8 @@
               <a:buSzPct val="25000"/>
             </a:pPr>
             <a:r>
-              <a:rPr lang="en-US" sz="4000" dirty="0" smtClean="0"/>
-              <a:t>CoAP (</a:t>
-            </a:r>
-            <a:r>
               <a:rPr lang="en-US" sz="4000" dirty="0"/>
-              <a:t>Constrained Appln. Protocol)</a:t>
+              <a:t>CoAP (Constrained Appln. Protocol)</a:t>
             </a:r>
             <a:endParaRPr lang="en-GB" sz="4000" b="0" cap="small" dirty="0">
               <a:solidFill>
@@ -14377,13 +13988,6 @@
   <p:clrMapOvr>
     <a:masterClrMapping/>
   </p:clrMapOvr>
-  <p:timing>
-    <p:tnLst>
-      <p:par>
-        <p:cTn id="1" dur="indefinite" restart="never" nodeType="tmRoot"/>
-      </p:par>
-    </p:tnLst>
-  </p:timing>
 </p:sld>
 </file>
 
